--- a/Shubham.pptx
+++ b/Shubham.pptx
@@ -6392,27 +6392,7 @@
                 <a:latin typeface="Arial" panose="020B0604020202020204" pitchFamily="34" charset="0"/>
                 <a:cs typeface="Arial" panose="020B0604020202020204" pitchFamily="34" charset="0"/>
               </a:rPr>
-              <a:t>For example: </a:t>
-            </a:r>
-            <a:r>
-              <a:rPr lang="en-US" dirty="0" smtClean="0">
-                <a:solidFill>
-                  <a:schemeClr val="tx2"/>
-                </a:solidFill>
-                <a:latin typeface="Arial" panose="020B0604020202020204" pitchFamily="34" charset="0"/>
-                <a:cs typeface="Arial" panose="020B0604020202020204" pitchFamily="34" charset="0"/>
-              </a:rPr>
-              <a:t>When you withdraw money from ATM or When </a:t>
-            </a:r>
-            <a:r>
-              <a:rPr lang="en-US" dirty="0" smtClean="0">
-                <a:solidFill>
-                  <a:schemeClr val="tx2"/>
-                </a:solidFill>
-                <a:latin typeface="Arial" panose="020B0604020202020204" pitchFamily="34" charset="0"/>
-                <a:cs typeface="Arial" panose="020B0604020202020204" pitchFamily="34" charset="0"/>
-              </a:rPr>
-              <a:t>you pay your bill in a restaurant using, say Google Pay or </a:t>
+              <a:t>For example: When you withdraw money from ATM or When you pay your bill in a restaurant using, say Google Pay or </a:t>
             </a:r>
             <a:r>
               <a:rPr lang="en-US" dirty="0" err="1" smtClean="0">
@@ -6568,7 +6548,7 @@
         </p:nvSpPr>
         <p:spPr>
           <a:xfrm>
-            <a:off x="1484312" y="322243"/>
+            <a:off x="1653645" y="43606"/>
             <a:ext cx="10018713" cy="1752599"/>
           </a:xfrm>
         </p:spPr>
@@ -6608,7 +6588,7 @@
         </p:nvSpPr>
         <p:spPr>
           <a:xfrm>
-            <a:off x="1484312" y="2074841"/>
+            <a:off x="1653645" y="1569561"/>
             <a:ext cx="9697808" cy="2309871"/>
           </a:xfrm>
         </p:spPr>
@@ -6668,7 +6648,46 @@
                 <a:latin typeface="Arial" panose="020B0604020202020204" pitchFamily="34" charset="0"/>
                 <a:cs typeface="Arial" panose="020B0604020202020204" pitchFamily="34" charset="0"/>
               </a:rPr>
-              <a:t>The money gets debited from your account but due to some technical issue, money could not be credited into the supplier’s account.</a:t>
+              <a:t>Suppose, the </a:t>
+            </a:r>
+            <a:r>
+              <a:rPr lang="en-US" sz="3200" dirty="0" smtClean="0">
+                <a:solidFill>
+                  <a:schemeClr val="tx1">
+                    <a:lumMod val="95000"/>
+                    <a:lumOff val="5000"/>
+                  </a:schemeClr>
+                </a:solidFill>
+                <a:latin typeface="Arial" panose="020B0604020202020204" pitchFamily="34" charset="0"/>
+                <a:cs typeface="Arial" panose="020B0604020202020204" pitchFamily="34" charset="0"/>
+              </a:rPr>
+              <a:t>money gets debited from your account but due to some technical issue</a:t>
+            </a:r>
+            <a:r>
+              <a:rPr lang="en-US" sz="3200" dirty="0" smtClean="0">
+                <a:solidFill>
+                  <a:schemeClr val="tx1">
+                    <a:lumMod val="95000"/>
+                    <a:lumOff val="5000"/>
+                  </a:schemeClr>
+                </a:solidFill>
+                <a:latin typeface="Arial" panose="020B0604020202020204" pitchFamily="34" charset="0"/>
+                <a:cs typeface="Arial" panose="020B0604020202020204" pitchFamily="34" charset="0"/>
+              </a:rPr>
+              <a:t>, that </a:t>
+            </a:r>
+            <a:r>
+              <a:rPr lang="en-US" sz="3200" dirty="0" smtClean="0">
+                <a:solidFill>
+                  <a:schemeClr val="tx1">
+                    <a:lumMod val="95000"/>
+                    <a:lumOff val="5000"/>
+                  </a:schemeClr>
+                </a:solidFill>
+                <a:latin typeface="Arial" panose="020B0604020202020204" pitchFamily="34" charset="0"/>
+                <a:cs typeface="Arial" panose="020B0604020202020204" pitchFamily="34" charset="0"/>
+              </a:rPr>
+              <a:t>money could not be credited into the supplier’s account.</a:t>
             </a:r>
           </a:p>
           <a:p>
@@ -6728,8 +6747,8 @@
         </p:blipFill>
         <p:spPr>
           <a:xfrm>
-            <a:off x="4735733" y="4384712"/>
-            <a:ext cx="3194966" cy="2143725"/>
+            <a:off x="4223381" y="3989601"/>
+            <a:ext cx="3403556" cy="2283683"/>
           </a:xfrm>
           <a:prstGeom prst="rect">
             <a:avLst/>
@@ -6829,7 +6848,7 @@
         </p:spPr>
         <p:txBody>
           <a:bodyPr>
-            <a:normAutofit/>
+            <a:normAutofit lnSpcReduction="10000"/>
           </a:bodyPr>
           <a:lstStyle/>
           <a:p>
@@ -6850,8 +6869,18 @@
             </a:pPr>
             <a:r>
               <a:rPr lang="en-US" dirty="0" smtClean="0"/>
-              <a:t>TCL commands :</a:t>
-            </a:r>
+              <a:t>TCL commands </a:t>
+            </a:r>
+            <a:r>
+              <a:rPr lang="en-US" dirty="0" smtClean="0"/>
+              <a:t>:</a:t>
+            </a:r>
+          </a:p>
+          <a:p>
+            <a:pPr marL="0" indent="0">
+              <a:buNone/>
+            </a:pPr>
+            <a:endParaRPr lang="en-US" dirty="0" smtClean="0"/>
           </a:p>
           <a:p>
             <a:pPr lvl="1">
@@ -6864,6 +6893,12 @@
             </a:r>
           </a:p>
           <a:p>
+            <a:pPr marL="457200" lvl="1" indent="0">
+              <a:buNone/>
+            </a:pPr>
+            <a:endParaRPr lang="en-US" b="1" dirty="0" smtClean="0"/>
+          </a:p>
+          <a:p>
             <a:pPr lvl="1">
               <a:buFont typeface="Wingdings" panose="05000000000000000000" pitchFamily="2" charset="2"/>
               <a:buChar char="Ø"/>
@@ -6872,6 +6907,12 @@
               <a:rPr lang="en-US" b="1" dirty="0" smtClean="0"/>
               <a:t>Rollback</a:t>
             </a:r>
+          </a:p>
+          <a:p>
+            <a:pPr marL="457200" lvl="1" indent="0">
+              <a:buNone/>
+            </a:pPr>
+            <a:endParaRPr lang="en-US" b="1" dirty="0" smtClean="0"/>
           </a:p>
           <a:p>
             <a:pPr lvl="1">
@@ -6908,8 +6949,8 @@
         </p:blipFill>
         <p:spPr>
           <a:xfrm>
-            <a:off x="4777246" y="3153522"/>
-            <a:ext cx="6340186" cy="1826101"/>
+            <a:off x="4777246" y="2664178"/>
+            <a:ext cx="6340186" cy="2899340"/>
           </a:xfrm>
           <a:prstGeom prst="rect">
             <a:avLst/>
@@ -6965,7 +7006,7 @@
         </p:nvSpPr>
         <p:spPr>
           <a:xfrm>
-            <a:off x="1484310" y="145974"/>
+            <a:off x="1698799" y="145974"/>
             <a:ext cx="10018713" cy="1752599"/>
           </a:xfrm>
         </p:spPr>
